--- a/Chicago_Food_Deserts_v1.pptx
+++ b/Chicago_Food_Deserts_v1.pptx
@@ -124,6 +124,11 @@
       </a:defRPr>
     </a:lvl9pPr>
   </p:defaultTextStyle>
+  <p:extLst>
+    <p:ext uri="{EFAFB233-063F-42B5-8137-9DF3F51BA10A}">
+      <p15:sldGuideLst xmlns:p15="http://schemas.microsoft.com/office/powerpoint/2012/main"/>
+    </p:ext>
+  </p:extLst>
 </p:presentation>
 </file>
 
@@ -5530,7 +5535,13 @@
           <a:p>
             <a:r>
               <a:rPr lang="en-US" dirty="0"/>
-              <a:t>Poverty Rate 20.6%</a:t>
+              <a:t>Median property value $255,900</a:t>
+            </a:r>
+          </a:p>
+          <a:p>
+            <a:r>
+              <a:rPr lang="en-US" dirty="0"/>
+              <a:t>Poverty rate 20.6%</a:t>
             </a:r>
           </a:p>
           <a:p>

--- a/Chicago_Food_Deserts_v1.pptx
+++ b/Chicago_Food_Deserts_v1.pptx
@@ -5,7 +5,7 @@
     <p:sldMasterId id="2147483648" r:id="rId1"/>
   </p:sldMasterIdLst>
   <p:notesMasterIdLst>
-    <p:notesMasterId r:id="rId20"/>
+    <p:notesMasterId r:id="rId21"/>
   </p:notesMasterIdLst>
   <p:sldIdLst>
     <p:sldId id="256" r:id="rId2"/>
@@ -26,6 +26,7 @@
     <p:sldId id="264" r:id="rId17"/>
     <p:sldId id="279" r:id="rId18"/>
     <p:sldId id="278" r:id="rId19"/>
+    <p:sldId id="282" r:id="rId20"/>
   </p:sldIdLst>
   <p:sldSz cx="12192000" cy="6858000"/>
   <p:notesSz cx="6858000" cy="9144000"/>
@@ -5154,6 +5155,190 @@
 </p:sld>
 </file>
 
+<file path=ppt/slides/slide19.xml><?xml version="1.0" encoding="utf-8"?>
+<p:sld xmlns:a="http://schemas.openxmlformats.org/drawingml/2006/main" xmlns:r="http://schemas.openxmlformats.org/officeDocument/2006/relationships" xmlns:p="http://schemas.openxmlformats.org/presentationml/2006/main">
+  <p:cSld>
+    <p:spTree>
+      <p:nvGrpSpPr>
+        <p:cNvPr id="1" name=""/>
+        <p:cNvGrpSpPr/>
+        <p:nvPr/>
+      </p:nvGrpSpPr>
+      <p:grpSpPr>
+        <a:xfrm>
+          <a:off x="0" y="0"/>
+          <a:ext cx="0" cy="0"/>
+          <a:chOff x="0" y="0"/>
+          <a:chExt cx="0" cy="0"/>
+        </a:xfrm>
+      </p:grpSpPr>
+      <p:sp>
+        <p:nvSpPr>
+          <p:cNvPr id="2" name="Title 1">
+            <a:extLst>
+              <a:ext uri="{FF2B5EF4-FFF2-40B4-BE49-F238E27FC236}">
+                <a16:creationId xmlns:a16="http://schemas.microsoft.com/office/drawing/2014/main" id="{DC323F80-135E-49C6-980F-F417293B35ED}"/>
+              </a:ext>
+            </a:extLst>
+          </p:cNvPr>
+          <p:cNvSpPr>
+            <a:spLocks noGrp="1"/>
+          </p:cNvSpPr>
+          <p:nvPr>
+            <p:ph type="title"/>
+          </p:nvPr>
+        </p:nvSpPr>
+        <p:spPr/>
+        <p:txBody>
+          <a:bodyPr/>
+          <a:lstStyle/>
+          <a:p>
+            <a:r>
+              <a:rPr lang="en-US" dirty="0"/>
+              <a:t>Datasets Source  </a:t>
+            </a:r>
+          </a:p>
+        </p:txBody>
+      </p:sp>
+      <p:sp>
+        <p:nvSpPr>
+          <p:cNvPr id="3" name="Content Placeholder 2">
+            <a:extLst>
+              <a:ext uri="{FF2B5EF4-FFF2-40B4-BE49-F238E27FC236}">
+                <a16:creationId xmlns:a16="http://schemas.microsoft.com/office/drawing/2014/main" id="{A16C1A62-3CDE-4740-8835-B81D118716E8}"/>
+              </a:ext>
+            </a:extLst>
+          </p:cNvPr>
+          <p:cNvSpPr>
+            <a:spLocks noGrp="1"/>
+          </p:cNvSpPr>
+          <p:nvPr>
+            <p:ph idx="1"/>
+          </p:nvPr>
+        </p:nvSpPr>
+        <p:spPr>
+          <a:xfrm>
+            <a:off x="1130270" y="1828864"/>
+            <a:ext cx="9603275" cy="3943281"/>
+          </a:xfrm>
+        </p:spPr>
+        <p:txBody>
+          <a:bodyPr>
+            <a:normAutofit fontScale="92500" lnSpcReduction="20000"/>
+          </a:bodyPr>
+          <a:lstStyle/>
+          <a:p>
+            <a:r>
+              <a:rPr lang="en-US" dirty="0"/>
+              <a:t>Census Tract Data – Boundaries</a:t>
+            </a:r>
+          </a:p>
+          <a:p>
+            <a:pPr lvl="1"/>
+            <a:r>
+              <a:rPr lang="en-US" dirty="0">
+                <a:solidFill>
+                  <a:srgbClr val="FF0000"/>
+                </a:solidFill>
+              </a:rPr>
+              <a:t>Need Source</a:t>
+            </a:r>
+          </a:p>
+          <a:p>
+            <a:r>
+              <a:rPr lang="en-US" dirty="0"/>
+              <a:t>Chicago Neighborhoods</a:t>
+            </a:r>
+          </a:p>
+          <a:p>
+            <a:pPr lvl="1"/>
+            <a:r>
+              <a:rPr lang="en-US" dirty="0">
+                <a:solidFill>
+                  <a:srgbClr val="FF0000"/>
+                </a:solidFill>
+              </a:rPr>
+              <a:t>Need Source</a:t>
+            </a:r>
+          </a:p>
+          <a:p>
+            <a:r>
+              <a:rPr lang="en-US" dirty="0"/>
+              <a:t>Chicago Grocery Stores</a:t>
+            </a:r>
+          </a:p>
+          <a:p>
+            <a:pPr lvl="1"/>
+            <a:r>
+              <a:rPr lang="en-US" dirty="0">
+                <a:solidFill>
+                  <a:srgbClr val="FF0000"/>
+                </a:solidFill>
+              </a:rPr>
+              <a:t>Need Source</a:t>
+            </a:r>
+            <a:endParaRPr lang="en-US" dirty="0"/>
+          </a:p>
+          <a:p>
+            <a:r>
+              <a:rPr lang="en-US" dirty="0"/>
+              <a:t>Chicago Crime Data</a:t>
+            </a:r>
+          </a:p>
+          <a:p>
+            <a:pPr lvl="1"/>
+            <a:r>
+              <a:rPr lang="en-US" u="sng" dirty="0">
+                <a:hlinkClick r:id="rId2"/>
+              </a:rPr>
+              <a:t>https://data.cityofchicago.org/Public-Safety/Crimes-2018/3i3m-jwuy</a:t>
+            </a:r>
+            <a:r>
+              <a:rPr lang="en-US" dirty="0"/>
+              <a:t> </a:t>
+            </a:r>
+          </a:p>
+          <a:p>
+            <a:r>
+              <a:rPr lang="en-US" dirty="0"/>
+              <a:t>Chicago Public Health Indicators by Community</a:t>
+            </a:r>
+          </a:p>
+          <a:p>
+            <a:pPr lvl="1"/>
+            <a:r>
+              <a:rPr lang="en-US" u="sng" dirty="0">
+                <a:hlinkClick r:id="rId3"/>
+              </a:rPr>
+              <a:t>https://data.cityofchicago.org/Health-Human-Services/Public-Health-Statistics-Selected-public-health-in/iqnk-2tcu</a:t>
+            </a:r>
+            <a:endParaRPr lang="en-US" dirty="0"/>
+          </a:p>
+          <a:p>
+            <a:pPr lvl="1"/>
+            <a:endParaRPr lang="en-US" dirty="0"/>
+          </a:p>
+          <a:p>
+            <a:pPr marL="0" indent="0">
+              <a:buNone/>
+            </a:pPr>
+            <a:endParaRPr lang="en-US" dirty="0"/>
+          </a:p>
+        </p:txBody>
+      </p:sp>
+    </p:spTree>
+    <p:extLst>
+      <p:ext uri="{BB962C8B-B14F-4D97-AF65-F5344CB8AC3E}">
+        <p14:creationId xmlns:p14="http://schemas.microsoft.com/office/powerpoint/2010/main" val="3446398138"/>
+      </p:ext>
+    </p:extLst>
+  </p:cSld>
+  <p:clrMapOvr>
+    <a:masterClrMapping/>
+  </p:clrMapOvr>
+</p:sld>
+</file>
+
 <file path=ppt/slides/slide2.xml><?xml version="1.0" encoding="utf-8"?>
 <p:sld xmlns:a="http://schemas.openxmlformats.org/drawingml/2006/main" xmlns:r="http://schemas.openxmlformats.org/officeDocument/2006/relationships" xmlns:p="http://schemas.openxmlformats.org/presentationml/2006/main">
   <p:cSld>
@@ -5707,7 +5892,7 @@
         </p:spPr>
         <p:txBody>
           <a:bodyPr>
-            <a:normAutofit fontScale="92500" lnSpcReduction="10000"/>
+            <a:normAutofit fontScale="92500" lnSpcReduction="20000"/>
           </a:bodyPr>
           <a:lstStyle/>
           <a:p>
@@ -5762,6 +5947,13 @@
             <a:r>
               <a:rPr lang="en-US" dirty="0"/>
               <a:t>Chicago Neighborhoods</a:t>
+            </a:r>
+          </a:p>
+          <a:p>
+            <a:pPr lvl="1"/>
+            <a:r>
+              <a:rPr lang="en-US" dirty="0"/>
+              <a:t>Chicago Grocery Stores</a:t>
             </a:r>
           </a:p>
           <a:p>
